--- a/doc/P_CLOUD_346.pptx
+++ b/doc/P_CLOUD_346.pptx
@@ -4888,36 +4888,35 @@
           </a:p>
         </p:txBody>
       </p:sp>
-      <p:sp>
-        <p:nvSpPr>
-          <p:cNvPr id="3" name="Espace réservé du contenu 2">
+      <p:pic>
+        <p:nvPicPr>
+          <p:cNvPr id="5" name="Espace réservé du contenu 4">
             <a:extLst>
               <a:ext uri="{FF2B5EF4-FFF2-40B4-BE49-F238E27FC236}">
-                <a16:creationId xmlns:a16="http://schemas.microsoft.com/office/drawing/2014/main" id="{1DECA62A-3261-D2FA-DD0A-C0DDD104529A}"/>
+                <a16:creationId xmlns:a16="http://schemas.microsoft.com/office/drawing/2014/main" id="{A9AA2C65-7733-755E-7482-230873D3DE96}"/>
               </a:ext>
             </a:extLst>
           </p:cNvPr>
-          <p:cNvSpPr>
-            <a:spLocks noGrp="1"/>
-          </p:cNvSpPr>
+          <p:cNvPicPr>
+            <a:picLocks noGrp="1" noChangeAspect="1"/>
+          </p:cNvPicPr>
           <p:nvPr>
             <p:ph idx="1"/>
           </p:nvPr>
-        </p:nvSpPr>
+        </p:nvPicPr>
+        <p:blipFill>
+          <a:blip r:embed="rId2"/>
+          <a:stretch>
+            <a:fillRect/>
+          </a:stretch>
+        </p:blipFill>
         <p:spPr>
           <a:xfrm>
-            <a:off x="838200" y="1825625"/>
-            <a:ext cx="10515600" cy="4351338"/>
+            <a:off x="2130876" y="1825625"/>
+            <a:ext cx="7930248" cy="4351338"/>
           </a:xfrm>
         </p:spPr>
-        <p:txBody>
-          <a:bodyPr/>
-          <a:lstStyle/>
-          <a:p>
-            <a:endParaRPr lang="fr-CH" dirty="0"/>
-          </a:p>
-        </p:txBody>
-      </p:sp>
+      </p:pic>
     </p:spTree>
     <p:extLst>
       <p:ext uri="{BB962C8B-B14F-4D97-AF65-F5344CB8AC3E}">

--- a/doc/P_CLOUD_346.pptx
+++ b/doc/P_CLOUD_346.pptx
@@ -4306,41 +4306,6 @@
           </a:p>
         </p:txBody>
       </p:sp>
-      <p:pic>
-        <p:nvPicPr>
-          <p:cNvPr id="6" name="Espace réservé du contenu 5" descr="Une image contenant texte, diagramme, Plan, Rectangle">
-            <a:extLst>
-              <a:ext uri="{FF2B5EF4-FFF2-40B4-BE49-F238E27FC236}">
-                <a16:creationId xmlns:a16="http://schemas.microsoft.com/office/drawing/2014/main" id="{F2799AE7-DE69-F66F-DE04-2E0AFB995E8D}"/>
-              </a:ext>
-            </a:extLst>
-          </p:cNvPr>
-          <p:cNvPicPr>
-            <a:picLocks noGrp="1" noChangeAspect="1"/>
-          </p:cNvPicPr>
-          <p:nvPr>
-            <p:ph idx="1"/>
-          </p:nvPr>
-        </p:nvPicPr>
-        <p:blipFill>
-          <a:blip r:embed="rId2">
-            <a:extLst>
-              <a:ext uri="{28A0092B-C50C-407E-A947-70E740481C1C}">
-                <a14:useLocalDpi xmlns:a14="http://schemas.microsoft.com/office/drawing/2010/main" val="0"/>
-              </a:ext>
-            </a:extLst>
-          </a:blip>
-          <a:stretch>
-            <a:fillRect/>
-          </a:stretch>
-        </p:blipFill>
-        <p:spPr>
-          <a:xfrm>
-            <a:off x="3348789" y="1825625"/>
-            <a:ext cx="5494421" cy="4351338"/>
-          </a:xfrm>
-        </p:spPr>
-      </p:pic>
       <p:sp>
         <p:nvSpPr>
           <p:cNvPr id="4" name="Rectangle 3">
@@ -4396,6 +4361,41 @@
           </a:p>
         </p:txBody>
       </p:sp>
+      <p:pic>
+        <p:nvPicPr>
+          <p:cNvPr id="8" name="Espace réservé du contenu 7" descr="Une image contenant diagramme, Plan, Dessin technique, texte&#10;&#10;Le contenu généré par l’IA peut être incorrect.">
+            <a:extLst>
+              <a:ext uri="{FF2B5EF4-FFF2-40B4-BE49-F238E27FC236}">
+                <a16:creationId xmlns:a16="http://schemas.microsoft.com/office/drawing/2014/main" id="{B61E0AC9-44DF-957B-2316-27EE12817AA3}"/>
+              </a:ext>
+            </a:extLst>
+          </p:cNvPr>
+          <p:cNvPicPr>
+            <a:picLocks noGrp="1" noChangeAspect="1"/>
+          </p:cNvPicPr>
+          <p:nvPr>
+            <p:ph idx="1"/>
+          </p:nvPr>
+        </p:nvPicPr>
+        <p:blipFill>
+          <a:blip r:embed="rId2">
+            <a:extLst>
+              <a:ext uri="{28A0092B-C50C-407E-A947-70E740481C1C}">
+                <a14:useLocalDpi xmlns:a14="http://schemas.microsoft.com/office/drawing/2010/main" val="0"/>
+              </a:ext>
+            </a:extLst>
+          </a:blip>
+          <a:stretch>
+            <a:fillRect/>
+          </a:stretch>
+        </p:blipFill>
+        <p:spPr>
+          <a:xfrm>
+            <a:off x="3543300" y="1896269"/>
+            <a:ext cx="5105400" cy="4210050"/>
+          </a:xfrm>
+        </p:spPr>
+      </p:pic>
     </p:spTree>
     <p:extLst>
       <p:ext uri="{BB962C8B-B14F-4D97-AF65-F5344CB8AC3E}">

--- a/doc/P_CLOUD_346.pptx
+++ b/doc/P_CLOUD_346.pptx
@@ -4846,6 +4846,14 @@
 <file path=ppt/slides/slide8.xml><?xml version="1.0" encoding="utf-8"?>
 <p:sld xmlns:a="http://schemas.openxmlformats.org/drawingml/2006/main" xmlns:r="http://schemas.openxmlformats.org/officeDocument/2006/relationships" xmlns:p="http://schemas.openxmlformats.org/presentationml/2006/main">
   <p:cSld>
+    <p:bg>
+      <p:bgPr>
+        <a:solidFill>
+          <a:schemeClr val="bg1"/>
+        </a:solidFill>
+        <a:effectLst/>
+      </p:bgPr>
+    </p:bg>
     <p:spTree>
       <p:nvGrpSpPr>
         <p:cNvPr id="1" name=""/>
@@ -4862,6 +4870,72 @@
       </p:grpSpPr>
       <p:sp>
         <p:nvSpPr>
+          <p:cNvPr id="16" name="Down Arrow 7">
+            <a:extLst>
+              <a:ext uri="{FF2B5EF4-FFF2-40B4-BE49-F238E27FC236}">
+                <a16:creationId xmlns:a16="http://schemas.microsoft.com/office/drawing/2014/main" id="{D4771268-CB57-404A-9271-370EB28F6090}"/>
+              </a:ext>
+              <a:ext uri="{C183D7F6-B498-43B3-948B-1728B52AA6E4}">
+                <adec:decorative xmlns:adec="http://schemas.microsoft.com/office/drawing/2017/decorative" val="1"/>
+              </a:ext>
+            </a:extLst>
+          </p:cNvPr>
+          <p:cNvSpPr>
+            <a:spLocks noGrp="1" noRot="1" noChangeAspect="1" noMove="1" noResize="1" noEditPoints="1" noAdjustHandles="1" noChangeArrowheads="1" noChangeShapeType="1" noTextEdit="1"/>
+          </p:cNvSpPr>
+          <p:nvPr>
+            <p:extLst>
+              <p:ext uri="{386F3935-93C4-4BCD-93E2-E3B085C9AB24}">
+                <p16:designElem xmlns:p16="http://schemas.microsoft.com/office/powerpoint/2015/main" val="1"/>
+              </p:ext>
+            </p:extLst>
+          </p:nvPr>
+        </p:nvSpPr>
+        <p:spPr>
+          <a:xfrm rot="16200000">
+            <a:off x="800100" y="1491343"/>
+            <a:ext cx="3333749" cy="3499103"/>
+          </a:xfrm>
+          <a:prstGeom prst="downArrow">
+            <a:avLst>
+              <a:gd name="adj1" fmla="val 100000"/>
+              <a:gd name="adj2" fmla="val 15788"/>
+            </a:avLst>
+          </a:prstGeom>
+          <a:solidFill>
+            <a:srgbClr val="404040"/>
+          </a:solidFill>
+          <a:ln w="53975">
+            <a:noFill/>
+          </a:ln>
+        </p:spPr>
+        <p:style>
+          <a:lnRef idx="2">
+            <a:schemeClr val="accent1">
+              <a:shade val="50000"/>
+            </a:schemeClr>
+          </a:lnRef>
+          <a:fillRef idx="1">
+            <a:schemeClr val="accent1"/>
+          </a:fillRef>
+          <a:effectRef idx="0">
+            <a:schemeClr val="accent1"/>
+          </a:effectRef>
+          <a:fontRef idx="minor">
+            <a:schemeClr val="lt1"/>
+          </a:fontRef>
+        </p:style>
+        <p:txBody>
+          <a:bodyPr rtlCol="0" anchor="ctr"/>
+          <a:lstStyle/>
+          <a:p>
+            <a:pPr algn="ctr"/>
+            <a:endParaRPr lang="en-US"/>
+          </a:p>
+        </p:txBody>
+      </p:sp>
+      <p:sp>
+        <p:nvSpPr>
           <p:cNvPr id="2" name="Titre 1">
             <a:extLst>
               <a:ext uri="{FF2B5EF4-FFF2-40B4-BE49-F238E27FC236}">
@@ -4876,13 +4950,29 @@
             <p:ph type="title"/>
           </p:nvPr>
         </p:nvSpPr>
-        <p:spPr/>
-        <p:txBody>
-          <a:bodyPr/>
+        <p:spPr>
+          <a:xfrm>
+            <a:off x="1028700" y="1967266"/>
+            <a:ext cx="2628900" cy="2547257"/>
+          </a:xfrm>
+          <a:noFill/>
+        </p:spPr>
+        <p:txBody>
+          <a:bodyPr vert="horz" lIns="91440" tIns="45720" rIns="91440" bIns="45720" rtlCol="0" anchor="ctr">
+            <a:normAutofit/>
+          </a:bodyPr>
           <a:lstStyle/>
           <a:p>
-            <a:r>
-              <a:rPr lang="fr-CH" dirty="0"/>
+            <a:pPr algn="ctr"/>
+            <a:r>
+              <a:rPr lang="en-US" sz="3600" kern="1200">
+                <a:solidFill>
+                  <a:srgbClr val="FFFFFF"/>
+                </a:solidFill>
+                <a:latin typeface="+mj-lt"/>
+                <a:ea typeface="+mj-ea"/>
+                <a:cs typeface="+mj-cs"/>
+              </a:rPr>
               <a:t>Schéma de l’application</a:t>
             </a:r>
           </a:p>
@@ -4890,10 +4980,10 @@
       </p:sp>
       <p:pic>
         <p:nvPicPr>
-          <p:cNvPr id="5" name="Espace réservé du contenu 4">
+          <p:cNvPr id="11" name="Espace réservé du contenu 10" descr="Une image contenant diagramme, Plan, texte, Dessin technique&#10;&#10;Le contenu généré par l’IA peut être incorrect.">
             <a:extLst>
               <a:ext uri="{FF2B5EF4-FFF2-40B4-BE49-F238E27FC236}">
-                <a16:creationId xmlns:a16="http://schemas.microsoft.com/office/drawing/2014/main" id="{A9AA2C65-7733-755E-7482-230873D3DE96}"/>
+                <a16:creationId xmlns:a16="http://schemas.microsoft.com/office/drawing/2014/main" id="{4E185C42-138D-3854-DEA7-E4A8CF7DAC69}"/>
               </a:ext>
             </a:extLst>
           </p:cNvPr>
@@ -4905,16 +4995,25 @@
           </p:nvPr>
         </p:nvPicPr>
         <p:blipFill>
-          <a:blip r:embed="rId2"/>
+          <a:blip r:embed="rId2">
+            <a:extLst>
+              <a:ext uri="{28A0092B-C50C-407E-A947-70E740481C1C}">
+                <a14:useLocalDpi xmlns:a14="http://schemas.microsoft.com/office/drawing/2010/main" val="0"/>
+              </a:ext>
+            </a:extLst>
+          </a:blip>
           <a:stretch>
             <a:fillRect/>
           </a:stretch>
         </p:blipFill>
         <p:spPr>
           <a:xfrm>
-            <a:off x="2130876" y="1825625"/>
-            <a:ext cx="7930248" cy="4351338"/>
+            <a:off x="5336686" y="224563"/>
+            <a:ext cx="5944228" cy="6408873"/>
           </a:xfrm>
+          <a:prstGeom prst="rect">
+            <a:avLst/>
+          </a:prstGeom>
         </p:spPr>
       </p:pic>
     </p:spTree>
